--- a/Assignment 6/Information Retrieval System Using Neural Networks.pptx
+++ b/Assignment 6/Information Retrieval System Using Neural Networks.pptx
@@ -111,6 +111,11 @@
       </a:defRPr>
     </a:lvl9pPr>
   </p:defaultTextStyle>
+  <p:extLst>
+    <p:ext uri="{EFAFB233-063F-42B5-8137-9DF3F51BA10A}">
+      <p15:sldGuideLst xmlns:p15="http://schemas.microsoft.com/office/powerpoint/2012/main"/>
+    </p:ext>
+  </p:extLst>
 </p:presentation>
 </file>
 
@@ -8907,7 +8912,7 @@
           <a:p>
             <a:fld id="{9C89FE21-6B2D-4D0F-B02D-41BFBB6AF495}" type="datetimeFigureOut">
               <a:rPr lang="en-US" smtClean="0"/>
-              <a:t>12/12/2024</a:t>
+              <a:t>12/16/2024</a:t>
             </a:fld>
             <a:endParaRPr lang="en-US"/>
           </a:p>
@@ -9114,7 +9119,7 @@
           <a:p>
             <a:fld id="{9C89FE21-6B2D-4D0F-B02D-41BFBB6AF495}" type="datetimeFigureOut">
               <a:rPr lang="en-US" smtClean="0"/>
-              <a:t>12/12/2024</a:t>
+              <a:t>12/16/2024</a:t>
             </a:fld>
             <a:endParaRPr lang="en-US"/>
           </a:p>
@@ -9294,7 +9299,7 @@
           <a:p>
             <a:fld id="{9C89FE21-6B2D-4D0F-B02D-41BFBB6AF495}" type="datetimeFigureOut">
               <a:rPr lang="en-US" smtClean="0"/>
-              <a:t>12/12/2024</a:t>
+              <a:t>12/16/2024</a:t>
             </a:fld>
             <a:endParaRPr lang="en-US"/>
           </a:p>
@@ -9515,7 +9520,7 @@
           <a:p>
             <a:fld id="{9C89FE21-6B2D-4D0F-B02D-41BFBB6AF495}" type="datetimeFigureOut">
               <a:rPr lang="en-US" smtClean="0"/>
-              <a:t>12/12/2024</a:t>
+              <a:t>12/16/2024</a:t>
             </a:fld>
             <a:endParaRPr lang="en-US"/>
           </a:p>
@@ -9697,7 +9702,7 @@
           <a:p>
             <a:fld id="{9C89FE21-6B2D-4D0F-B02D-41BFBB6AF495}" type="datetimeFigureOut">
               <a:rPr lang="en-US" smtClean="0"/>
-              <a:t>12/12/2024</a:t>
+              <a:t>12/16/2024</a:t>
             </a:fld>
             <a:endParaRPr lang="en-US"/>
           </a:p>
@@ -18595,7 +18600,7 @@
           <a:p>
             <a:fld id="{9C89FE21-6B2D-4D0F-B02D-41BFBB6AF495}" type="datetimeFigureOut">
               <a:rPr lang="en-US" smtClean="0"/>
-              <a:t>12/12/2024</a:t>
+              <a:t>12/16/2024</a:t>
             </a:fld>
             <a:endParaRPr lang="en-US"/>
           </a:p>
@@ -18869,7 +18874,7 @@
           <a:p>
             <a:fld id="{9C89FE21-6B2D-4D0F-B02D-41BFBB6AF495}" type="datetimeFigureOut">
               <a:rPr lang="en-US" smtClean="0"/>
-              <a:t>12/12/2024</a:t>
+              <a:t>12/16/2024</a:t>
             </a:fld>
             <a:endParaRPr lang="en-US"/>
           </a:p>
@@ -19267,7 +19272,7 @@
           <a:p>
             <a:fld id="{9C89FE21-6B2D-4D0F-B02D-41BFBB6AF495}" type="datetimeFigureOut">
               <a:rPr lang="en-US" smtClean="0"/>
-              <a:t>12/12/2024</a:t>
+              <a:t>12/16/2024</a:t>
             </a:fld>
             <a:endParaRPr lang="en-US"/>
           </a:p>
@@ -19385,7 +19390,7 @@
           <a:p>
             <a:fld id="{9C89FE21-6B2D-4D0F-B02D-41BFBB6AF495}" type="datetimeFigureOut">
               <a:rPr lang="en-US" smtClean="0"/>
-              <a:t>12/12/2024</a:t>
+              <a:t>12/16/2024</a:t>
             </a:fld>
             <a:endParaRPr lang="en-US"/>
           </a:p>
@@ -19480,7 +19485,7 @@
           <a:p>
             <a:fld id="{9C89FE21-6B2D-4D0F-B02D-41BFBB6AF495}" type="datetimeFigureOut">
               <a:rPr lang="en-US" smtClean="0"/>
-              <a:t>12/12/2024</a:t>
+              <a:t>12/16/2024</a:t>
             </a:fld>
             <a:endParaRPr lang="en-US"/>
           </a:p>
@@ -19770,7 +19775,7 @@
           <a:p>
             <a:fld id="{9C89FE21-6B2D-4D0F-B02D-41BFBB6AF495}" type="datetimeFigureOut">
               <a:rPr lang="en-US" smtClean="0"/>
-              <a:t>12/12/2024</a:t>
+              <a:t>12/16/2024</a:t>
             </a:fld>
             <a:endParaRPr lang="en-US"/>
           </a:p>
@@ -20050,7 +20055,7 @@
           <a:p>
             <a:fld id="{9C89FE21-6B2D-4D0F-B02D-41BFBB6AF495}" type="datetimeFigureOut">
               <a:rPr lang="en-US" smtClean="0"/>
-              <a:t>12/12/2024</a:t>
+              <a:t>12/16/2024</a:t>
             </a:fld>
             <a:endParaRPr lang="en-US"/>
           </a:p>
@@ -20300,7 +20305,7 @@
           <a:p>
             <a:fld id="{9C89FE21-6B2D-4D0F-B02D-41BFBB6AF495}" type="datetimeFigureOut">
               <a:rPr lang="en-US" smtClean="0"/>
-              <a:t>12/12/2024</a:t>
+              <a:t>12/16/2024</a:t>
             </a:fld>
             <a:endParaRPr lang="en-US"/>
           </a:p>
@@ -20947,55 +20952,55 @@
           <a:lstStyle/>
           <a:p>
             <a:r>
-              <a:rPr lang="en-US"/>
+              <a:rPr lang="en-US" dirty="0"/>
               <a:t>• Main Objective: Build a system that retrieves relevant documents based on a user query and predicts their relevance using a neural network.</a:t>
             </a:r>
           </a:p>
           <a:p>
             <a:r>
-              <a:rPr lang="en-US"/>
+              <a:rPr lang="en-US" dirty="0"/>
               <a:t>• Scope:</a:t>
             </a:r>
           </a:p>
           <a:p>
             <a:r>
-              <a:rPr lang="en-US"/>
+              <a:rPr lang="en-US" dirty="0"/>
               <a:t>   - Input: A user query (e.g., 'Find me articles about the benefits of travelling for health.')</a:t>
             </a:r>
           </a:p>
           <a:p>
             <a:r>
-              <a:rPr lang="en-US"/>
+              <a:rPr lang="en-US" dirty="0"/>
               <a:t>   - Output: Relevant documents with predicted relevance scores.</a:t>
             </a:r>
           </a:p>
           <a:p>
             <a:r>
-              <a:rPr lang="en-US"/>
+              <a:rPr lang="en-US" dirty="0"/>
               <a:t>• Key Components:</a:t>
             </a:r>
           </a:p>
           <a:p>
             <a:r>
-              <a:rPr lang="en-US"/>
+              <a:rPr lang="en-US" dirty="0"/>
               <a:t>   - Query preprocessing</a:t>
             </a:r>
           </a:p>
           <a:p>
             <a:r>
-              <a:rPr lang="en-US"/>
+              <a:rPr lang="en-US" dirty="0"/>
               <a:t>   - Synonym expansion</a:t>
             </a:r>
           </a:p>
           <a:p>
             <a:r>
-              <a:rPr lang="en-US"/>
+              <a:rPr lang="en-US" dirty="0"/>
               <a:t>   - Document retrieval</a:t>
             </a:r>
           </a:p>
           <a:p>
             <a:r>
-              <a:rPr lang="en-US"/>
+              <a:rPr lang="en-US" dirty="0"/>
               <a:t>   - Neural network-based relevance prediction</a:t>
             </a:r>
           </a:p>
@@ -21078,54 +21083,42 @@
         <p:spPr/>
         <p:txBody>
           <a:bodyPr>
-            <a:normAutofit fontScale="92500" lnSpcReduction="10000"/>
+            <a:normAutofit/>
           </a:bodyPr>
           <a:lstStyle/>
           <a:p>
             <a:r>
-              <a:rPr lang="en-US"/>
+              <a:rPr lang="en-US" dirty="0"/>
               <a:t>• Document Gathering:</a:t>
             </a:r>
           </a:p>
           <a:p>
             <a:r>
-              <a:rPr lang="en-US"/>
+              <a:rPr lang="en-US" dirty="0"/>
               <a:t>   - Documents are sourced from a collection of text files stored in a specific folder on a local system.</a:t>
             </a:r>
           </a:p>
           <a:p>
             <a:r>
-              <a:rPr lang="en-US"/>
+              <a:rPr lang="en-US" dirty="0"/>
               <a:t>   - Procedure: The system reads all text files in the folder and checks for the presence of query terms (including expanded synonyms).</a:t>
             </a:r>
           </a:p>
           <a:p>
             <a:r>
-              <a:rPr lang="en-US"/>
-              <a:t>• Indexing:</a:t>
-            </a:r>
-          </a:p>
-          <a:p>
-            <a:r>
-              <a:rPr lang="en-US"/>
-              <a:t>   - This version uses direct term matching rather than an inverted index.</a:t>
-            </a:r>
-          </a:p>
-          <a:p>
-            <a:r>
-              <a:rPr lang="en-US"/>
+              <a:rPr lang="en-US" dirty="0"/>
               <a:t>• Search Function:</a:t>
             </a:r>
           </a:p>
           <a:p>
             <a:r>
-              <a:rPr lang="en-US"/>
+              <a:rPr lang="en-US" dirty="0"/>
               <a:t>   - Synonym expansion enhances the query's reach.</a:t>
             </a:r>
           </a:p>
           <a:p>
             <a:r>
-              <a:rPr lang="en-US"/>
+              <a:rPr lang="en-US" dirty="0"/>
               <a:t>   - Documents are retrieved if any expanded query term matches the document text.</a:t>
             </a:r>
           </a:p>
